--- a/발표자료.pptx
+++ b/발표자료.pptx
@@ -8,7 +8,11 @@
     <p:sldId id="260" r:id="rId2"/>
     <p:sldId id="261" r:id="rId3"/>
     <p:sldId id="263" r:id="rId4"/>
-    <p:sldId id="262" r:id="rId5"/>
+    <p:sldId id="264" r:id="rId5"/>
+    <p:sldId id="262" r:id="rId6"/>
+    <p:sldId id="265" r:id="rId7"/>
+    <p:sldId id="267" r:id="rId8"/>
+    <p:sldId id="266" r:id="rId9"/>
   </p:sldIdLst>
   <p:sldSz cx="12192000" cy="6858000"/>
   <p:notesSz cx="6858000" cy="9144000"/>
@@ -107,6 +111,11 @@
       </a:defRPr>
     </a:lvl9pPr>
   </p:defaultTextStyle>
+  <p:extLst>
+    <p:ext uri="{EFAFB233-063F-42B5-8137-9DF3F51BA10A}">
+      <p15:sldGuideLst xmlns:p15="http://schemas.microsoft.com/office/powerpoint/2012/main"/>
+    </p:ext>
+  </p:extLst>
 </p:presentation>
 </file>
 
@@ -3781,6 +3790,150 @@
           <p:cNvPr id="2" name="제목 1">
             <a:extLst>
               <a:ext uri="{FF2B5EF4-FFF2-40B4-BE49-F238E27FC236}">
+                <a16:creationId xmlns:a16="http://schemas.microsoft.com/office/drawing/2014/main" id="{11001B87-944A-FD0E-67C9-E8B8DAA75133}"/>
+              </a:ext>
+            </a:extLst>
+          </p:cNvPr>
+          <p:cNvSpPr>
+            <a:spLocks noGrp="1"/>
+          </p:cNvSpPr>
+          <p:nvPr>
+            <p:ph type="title"/>
+          </p:nvPr>
+        </p:nvSpPr>
+        <p:spPr/>
+        <p:txBody>
+          <a:bodyPr/>
+          <a:lstStyle/>
+          <a:p>
+            <a:r>
+              <a:rPr lang="ko-KR" altLang="en-US" dirty="0"/>
+              <a:t>구현 내용 몬스터</a:t>
+            </a:r>
+          </a:p>
+        </p:txBody>
+      </p:sp>
+      <p:sp>
+        <p:nvSpPr>
+          <p:cNvPr id="3" name="내용 개체 틀 2">
+            <a:extLst>
+              <a:ext uri="{FF2B5EF4-FFF2-40B4-BE49-F238E27FC236}">
+                <a16:creationId xmlns:a16="http://schemas.microsoft.com/office/drawing/2014/main" id="{FA3F23AE-7387-55F7-D32E-002369DC915A}"/>
+              </a:ext>
+            </a:extLst>
+          </p:cNvPr>
+          <p:cNvSpPr>
+            <a:spLocks noGrp="1"/>
+          </p:cNvSpPr>
+          <p:nvPr>
+            <p:ph idx="1"/>
+          </p:nvPr>
+        </p:nvSpPr>
+        <p:spPr/>
+        <p:txBody>
+          <a:bodyPr/>
+          <a:lstStyle/>
+          <a:p>
+            <a:r>
+              <a:rPr lang="en-US" altLang="ko-KR" dirty="0"/>
+              <a:t>Level 1 ~ 10 : Slime</a:t>
+            </a:r>
+          </a:p>
+          <a:p>
+            <a:r>
+              <a:rPr lang="en-US" altLang="ko-KR" dirty="0"/>
+              <a:t>Level 11 ~ 20 : </a:t>
+            </a:r>
+            <a:r>
+              <a:rPr lang="en-US" altLang="ko-KR" dirty="0" err="1"/>
+              <a:t>KingKong</a:t>
+            </a:r>
+            <a:r>
+              <a:rPr lang="en-US" altLang="ko-KR" dirty="0"/>
+              <a:t>;</a:t>
+            </a:r>
+            <a:endParaRPr lang="ko-KR" altLang="en-US" dirty="0"/>
+          </a:p>
+          <a:p>
+            <a:r>
+              <a:rPr lang="en-US" altLang="ko-KR" dirty="0"/>
+              <a:t>Level 21 ~ 30 : </a:t>
+            </a:r>
+            <a:r>
+              <a:rPr lang="en-US" altLang="ko-KR" dirty="0" err="1"/>
+              <a:t>KillerRobot</a:t>
+            </a:r>
+            <a:r>
+              <a:rPr lang="en-US" altLang="ko-KR" dirty="0"/>
+              <a:t>;</a:t>
+            </a:r>
+          </a:p>
+          <a:p>
+            <a:r>
+              <a:rPr lang="en-US" altLang="ko-KR" dirty="0"/>
+              <a:t>Level 31 ~ 40 : Dog;</a:t>
+            </a:r>
+          </a:p>
+          <a:p>
+            <a:r>
+              <a:rPr lang="en-US" altLang="ko-KR" dirty="0"/>
+              <a:t>Level 41 ~ : Cat;</a:t>
+            </a:r>
+          </a:p>
+          <a:p>
+            <a:endParaRPr lang="en-US" altLang="ko-KR" dirty="0"/>
+          </a:p>
+          <a:p>
+            <a:r>
+              <a:rPr lang="ko-KR" altLang="en-US" dirty="0"/>
+              <a:t>랜덤 </a:t>
+            </a:r>
+            <a:r>
+              <a:rPr lang="en-US" altLang="ko-KR" dirty="0"/>
+              <a:t>: BOSS -&gt; LV 100 ~ LV 140</a:t>
+            </a:r>
+            <a:endParaRPr lang="ko-KR" altLang="en-US" dirty="0"/>
+          </a:p>
+          <a:p>
+            <a:endParaRPr lang="ko-KR" altLang="en-US" dirty="0"/>
+          </a:p>
+        </p:txBody>
+      </p:sp>
+    </p:spTree>
+    <p:extLst>
+      <p:ext uri="{BB962C8B-B14F-4D97-AF65-F5344CB8AC3E}">
+        <p14:creationId xmlns:p14="http://schemas.microsoft.com/office/powerpoint/2010/main" val="3469380704"/>
+      </p:ext>
+    </p:extLst>
+  </p:cSld>
+  <p:clrMapOvr>
+    <a:masterClrMapping/>
+  </p:clrMapOvr>
+</p:sld>
+</file>
+
+<file path=ppt/slides/slide5.xml><?xml version="1.0" encoding="utf-8"?>
+<p:sld xmlns:a="http://schemas.openxmlformats.org/drawingml/2006/main" xmlns:r="http://schemas.openxmlformats.org/officeDocument/2006/relationships" xmlns:p="http://schemas.openxmlformats.org/presentationml/2006/main">
+  <p:cSld>
+    <p:spTree>
+      <p:nvGrpSpPr>
+        <p:cNvPr id="1" name=""/>
+        <p:cNvGrpSpPr/>
+        <p:nvPr/>
+      </p:nvGrpSpPr>
+      <p:grpSpPr>
+        <a:xfrm>
+          <a:off x="0" y="0"/>
+          <a:ext cx="0" cy="0"/>
+          <a:chOff x="0" y="0"/>
+          <a:chExt cx="0" cy="0"/>
+        </a:xfrm>
+      </p:grpSpPr>
+      <p:sp>
+        <p:nvSpPr>
+          <p:cNvPr id="2" name="제목 1">
+            <a:extLst>
+              <a:ext uri="{FF2B5EF4-FFF2-40B4-BE49-F238E27FC236}">
                 <a16:creationId xmlns:a16="http://schemas.microsoft.com/office/drawing/2014/main" id="{9E6E7D65-3924-6AD4-31FE-0BEFF11F746B}"/>
               </a:ext>
             </a:extLst>
@@ -3983,7 +4136,7 @@
               <a:t>+ </a:t>
             </a:r>
             <a:r>
-              <a:rPr lang="ko-KR" altLang="en-US"/>
+              <a:rPr lang="ko-KR" altLang="en-US" dirty="0"/>
               <a:t>체력 풀로 회복</a:t>
             </a:r>
             <a:endParaRPr lang="en-US" altLang="ko-KR" dirty="0"/>
@@ -4000,6 +4153,514 @@
     <p:extLst>
       <p:ext uri="{BB962C8B-B14F-4D97-AF65-F5344CB8AC3E}">
         <p14:creationId xmlns:p14="http://schemas.microsoft.com/office/powerpoint/2010/main" val="3940703709"/>
+      </p:ext>
+    </p:extLst>
+  </p:cSld>
+  <p:clrMapOvr>
+    <a:masterClrMapping/>
+  </p:clrMapOvr>
+</p:sld>
+</file>
+
+<file path=ppt/slides/slide6.xml><?xml version="1.0" encoding="utf-8"?>
+<p:sld xmlns:a="http://schemas.openxmlformats.org/drawingml/2006/main" xmlns:r="http://schemas.openxmlformats.org/officeDocument/2006/relationships" xmlns:p="http://schemas.openxmlformats.org/presentationml/2006/main">
+  <p:cSld>
+    <p:spTree>
+      <p:nvGrpSpPr>
+        <p:cNvPr id="1" name=""/>
+        <p:cNvGrpSpPr/>
+        <p:nvPr/>
+      </p:nvGrpSpPr>
+      <p:grpSpPr>
+        <a:xfrm>
+          <a:off x="0" y="0"/>
+          <a:ext cx="0" cy="0"/>
+          <a:chOff x="0" y="0"/>
+          <a:chExt cx="0" cy="0"/>
+        </a:xfrm>
+      </p:grpSpPr>
+      <p:sp>
+        <p:nvSpPr>
+          <p:cNvPr id="2" name="제목 1">
+            <a:extLst>
+              <a:ext uri="{FF2B5EF4-FFF2-40B4-BE49-F238E27FC236}">
+                <a16:creationId xmlns:a16="http://schemas.microsoft.com/office/drawing/2014/main" id="{3CC15D9A-07CD-7B4F-0CEF-58559ADCCA10}"/>
+              </a:ext>
+            </a:extLst>
+          </p:cNvPr>
+          <p:cNvSpPr>
+            <a:spLocks noGrp="1"/>
+          </p:cNvSpPr>
+          <p:nvPr>
+            <p:ph type="title"/>
+          </p:nvPr>
+        </p:nvSpPr>
+        <p:spPr/>
+        <p:txBody>
+          <a:bodyPr/>
+          <a:lstStyle/>
+          <a:p>
+            <a:r>
+              <a:rPr lang="en-US" altLang="ko-KR" dirty="0"/>
+              <a:t>Warrior</a:t>
+            </a:r>
+            <a:endParaRPr lang="ko-KR" altLang="en-US" dirty="0"/>
+          </a:p>
+        </p:txBody>
+      </p:sp>
+      <p:pic>
+        <p:nvPicPr>
+          <p:cNvPr id="5" name="내용 개체 틀 4" descr="픽셀, 3D 모델링이(가) 표시된 사진&#10;&#10;자동 생성된 설명">
+            <a:extLst>
+              <a:ext uri="{FF2B5EF4-FFF2-40B4-BE49-F238E27FC236}">
+                <a16:creationId xmlns:a16="http://schemas.microsoft.com/office/drawing/2014/main" id="{4488918D-F1A1-6AA5-441E-30B2E88322D8}"/>
+              </a:ext>
+            </a:extLst>
+          </p:cNvPr>
+          <p:cNvPicPr>
+            <a:picLocks noGrp="1" noChangeAspect="1"/>
+          </p:cNvPicPr>
+          <p:nvPr>
+            <p:ph idx="1"/>
+          </p:nvPr>
+        </p:nvPicPr>
+        <p:blipFill>
+          <a:blip r:embed="rId2">
+            <a:extLst>
+              <a:ext uri="{28A0092B-C50C-407E-A947-70E740481C1C}">
+                <a14:useLocalDpi xmlns:a14="http://schemas.microsoft.com/office/drawing/2010/main" val="0"/>
+              </a:ext>
+            </a:extLst>
+          </a:blip>
+          <a:stretch>
+            <a:fillRect/>
+          </a:stretch>
+        </p:blipFill>
+        <p:spPr>
+          <a:xfrm>
+            <a:off x="1051433" y="1497408"/>
+            <a:ext cx="3938986" cy="3938986"/>
+          </a:xfrm>
+        </p:spPr>
+      </p:pic>
+      <p:sp>
+        <p:nvSpPr>
+          <p:cNvPr id="6" name="TextBox 5">
+            <a:extLst>
+              <a:ext uri="{FF2B5EF4-FFF2-40B4-BE49-F238E27FC236}">
+                <a16:creationId xmlns:a16="http://schemas.microsoft.com/office/drawing/2014/main" id="{952586C3-FD9B-9D41-18B5-27BE21FC8402}"/>
+              </a:ext>
+            </a:extLst>
+          </p:cNvPr>
+          <p:cNvSpPr txBox="1"/>
+          <p:nvPr/>
+        </p:nvSpPr>
+        <p:spPr>
+          <a:xfrm>
+            <a:off x="4457700" y="2638305"/>
+            <a:ext cx="7358062" cy="369332"/>
+          </a:xfrm>
+          <a:prstGeom prst="rect">
+            <a:avLst/>
+          </a:prstGeom>
+          <a:noFill/>
+        </p:spPr>
+        <p:txBody>
+          <a:bodyPr wrap="square" rtlCol="0">
+            <a:spAutoFit/>
+          </a:bodyPr>
+          <a:lstStyle/>
+          <a:p>
+            <a:r>
+              <a:rPr lang="ko-KR" altLang="en-US" dirty="0"/>
+              <a:t>성장 공격력 보통</a:t>
+            </a:r>
+            <a:r>
+              <a:rPr lang="en-US" altLang="ko-KR" dirty="0"/>
+              <a:t>, </a:t>
+            </a:r>
+            <a:r>
+              <a:rPr lang="ko-KR" altLang="en-US" dirty="0"/>
+              <a:t>성장 방어력 높음</a:t>
+            </a:r>
+            <a:r>
+              <a:rPr lang="en-US" altLang="ko-KR" dirty="0"/>
+              <a:t>. </a:t>
+            </a:r>
+            <a:r>
+              <a:rPr lang="ko-KR" altLang="en-US" dirty="0"/>
+              <a:t>공격 범위 </a:t>
+            </a:r>
+            <a:r>
+              <a:rPr lang="en-US" altLang="ko-KR" dirty="0"/>
+              <a:t>: </a:t>
+            </a:r>
+            <a:r>
+              <a:rPr lang="ko-KR" altLang="en-US" dirty="0"/>
+              <a:t> 시선 방향으로 </a:t>
+            </a:r>
+            <a:r>
+              <a:rPr lang="en-US" altLang="ko-KR" dirty="0"/>
+              <a:t>1</a:t>
+            </a:r>
+            <a:r>
+              <a:rPr lang="ko-KR" altLang="en-US" dirty="0"/>
+              <a:t>칸</a:t>
+            </a:r>
+            <a:r>
+              <a:rPr lang="en-US" altLang="ko-KR" dirty="0"/>
+              <a:t>.</a:t>
+            </a:r>
+            <a:endParaRPr lang="ko-KR" altLang="en-US" dirty="0"/>
+          </a:p>
+        </p:txBody>
+      </p:sp>
+    </p:spTree>
+    <p:extLst>
+      <p:ext uri="{BB962C8B-B14F-4D97-AF65-F5344CB8AC3E}">
+        <p14:creationId xmlns:p14="http://schemas.microsoft.com/office/powerpoint/2010/main" val="207812606"/>
+      </p:ext>
+    </p:extLst>
+  </p:cSld>
+  <p:clrMapOvr>
+    <a:masterClrMapping/>
+  </p:clrMapOvr>
+</p:sld>
+</file>
+
+<file path=ppt/slides/slide7.xml><?xml version="1.0" encoding="utf-8"?>
+<p:sld xmlns:a="http://schemas.openxmlformats.org/drawingml/2006/main" xmlns:r="http://schemas.openxmlformats.org/officeDocument/2006/relationships" xmlns:p="http://schemas.openxmlformats.org/presentationml/2006/main">
+  <p:cSld>
+    <p:spTree>
+      <p:nvGrpSpPr>
+        <p:cNvPr id="1" name=""/>
+        <p:cNvGrpSpPr/>
+        <p:nvPr/>
+      </p:nvGrpSpPr>
+      <p:grpSpPr>
+        <a:xfrm>
+          <a:off x="0" y="0"/>
+          <a:ext cx="0" cy="0"/>
+          <a:chOff x="0" y="0"/>
+          <a:chExt cx="0" cy="0"/>
+        </a:xfrm>
+      </p:grpSpPr>
+      <p:sp>
+        <p:nvSpPr>
+          <p:cNvPr id="2" name="제목 1">
+            <a:extLst>
+              <a:ext uri="{FF2B5EF4-FFF2-40B4-BE49-F238E27FC236}">
+                <a16:creationId xmlns:a16="http://schemas.microsoft.com/office/drawing/2014/main" id="{9BCE141E-0B2B-9E43-3DEC-FA4054578E86}"/>
+              </a:ext>
+            </a:extLst>
+          </p:cNvPr>
+          <p:cNvSpPr>
+            <a:spLocks noGrp="1"/>
+          </p:cNvSpPr>
+          <p:nvPr>
+            <p:ph type="title"/>
+          </p:nvPr>
+        </p:nvSpPr>
+        <p:spPr/>
+        <p:txBody>
+          <a:bodyPr/>
+          <a:lstStyle/>
+          <a:p>
+            <a:r>
+              <a:rPr lang="en-US" altLang="ko-KR" dirty="0"/>
+              <a:t>MAGE</a:t>
+            </a:r>
+            <a:endParaRPr lang="ko-KR" altLang="en-US" dirty="0"/>
+          </a:p>
+        </p:txBody>
+      </p:sp>
+      <p:pic>
+        <p:nvPicPr>
+          <p:cNvPr id="5" name="내용 개체 틀 4" descr="스크린샷, 픽셀, 비디오 게임 소프트웨어, 3D 모델링이(가) 표시된 사진&#10;&#10;자동 생성된 설명">
+            <a:extLst>
+              <a:ext uri="{FF2B5EF4-FFF2-40B4-BE49-F238E27FC236}">
+                <a16:creationId xmlns:a16="http://schemas.microsoft.com/office/drawing/2014/main" id="{04A60A25-1B14-C8B4-6AD9-B770E90E9ED3}"/>
+              </a:ext>
+            </a:extLst>
+          </p:cNvPr>
+          <p:cNvPicPr>
+            <a:picLocks noGrp="1" noChangeAspect="1"/>
+          </p:cNvPicPr>
+          <p:nvPr>
+            <p:ph idx="1"/>
+          </p:nvPr>
+        </p:nvPicPr>
+        <p:blipFill>
+          <a:blip r:embed="rId2">
+            <a:extLst>
+              <a:ext uri="{28A0092B-C50C-407E-A947-70E740481C1C}">
+                <a14:useLocalDpi xmlns:a14="http://schemas.microsoft.com/office/drawing/2010/main" val="0"/>
+              </a:ext>
+            </a:extLst>
+          </a:blip>
+          <a:stretch>
+            <a:fillRect/>
+          </a:stretch>
+        </p:blipFill>
+        <p:spPr>
+          <a:xfrm>
+            <a:off x="1126244" y="1803313"/>
+            <a:ext cx="3118731" cy="3118731"/>
+          </a:xfrm>
+        </p:spPr>
+      </p:pic>
+      <p:sp>
+        <p:nvSpPr>
+          <p:cNvPr id="6" name="TextBox 5">
+            <a:extLst>
+              <a:ext uri="{FF2B5EF4-FFF2-40B4-BE49-F238E27FC236}">
+                <a16:creationId xmlns:a16="http://schemas.microsoft.com/office/drawing/2014/main" id="{10D64203-393C-BF91-8B90-F9BECFBAC427}"/>
+              </a:ext>
+            </a:extLst>
+          </p:cNvPr>
+          <p:cNvSpPr txBox="1"/>
+          <p:nvPr/>
+        </p:nvSpPr>
+        <p:spPr>
+          <a:xfrm>
+            <a:off x="4457700" y="2659736"/>
+            <a:ext cx="7358062" cy="369332"/>
+          </a:xfrm>
+          <a:prstGeom prst="rect">
+            <a:avLst/>
+          </a:prstGeom>
+          <a:noFill/>
+        </p:spPr>
+        <p:txBody>
+          <a:bodyPr wrap="square" rtlCol="0">
+            <a:spAutoFit/>
+          </a:bodyPr>
+          <a:lstStyle/>
+          <a:p>
+            <a:r>
+              <a:rPr lang="ko-KR" altLang="en-US" dirty="0"/>
+              <a:t>성장 공격력 높음</a:t>
+            </a:r>
+            <a:r>
+              <a:rPr lang="en-US" altLang="ko-KR" dirty="0"/>
+              <a:t>, </a:t>
+            </a:r>
+            <a:r>
+              <a:rPr lang="ko-KR" altLang="en-US" dirty="0"/>
+              <a:t>성장 방어력 낮음</a:t>
+            </a:r>
+            <a:r>
+              <a:rPr lang="en-US" altLang="ko-KR" dirty="0"/>
+              <a:t>, </a:t>
+            </a:r>
+            <a:r>
+              <a:rPr lang="ko-KR" altLang="en-US" dirty="0"/>
+              <a:t>공격범위 </a:t>
+            </a:r>
+            <a:r>
+              <a:rPr lang="en-US" altLang="ko-KR" dirty="0"/>
+              <a:t>: </a:t>
+            </a:r>
+            <a:r>
+              <a:rPr lang="ko-KR" altLang="en-US" dirty="0"/>
+              <a:t>시선 방향 </a:t>
+            </a:r>
+            <a:r>
+              <a:rPr lang="en-US" altLang="ko-KR" dirty="0"/>
+              <a:t>3</a:t>
+            </a:r>
+            <a:r>
+              <a:rPr lang="ko-KR" altLang="en-US" dirty="0"/>
+              <a:t>칸</a:t>
+            </a:r>
+          </a:p>
+        </p:txBody>
+      </p:sp>
+    </p:spTree>
+    <p:extLst>
+      <p:ext uri="{BB962C8B-B14F-4D97-AF65-F5344CB8AC3E}">
+        <p14:creationId xmlns:p14="http://schemas.microsoft.com/office/powerpoint/2010/main" val="483079132"/>
+      </p:ext>
+    </p:extLst>
+  </p:cSld>
+  <p:clrMapOvr>
+    <a:masterClrMapping/>
+  </p:clrMapOvr>
+</p:sld>
+</file>
+
+<file path=ppt/slides/slide8.xml><?xml version="1.0" encoding="utf-8"?>
+<p:sld xmlns:a="http://schemas.openxmlformats.org/drawingml/2006/main" xmlns:r="http://schemas.openxmlformats.org/officeDocument/2006/relationships" xmlns:p="http://schemas.openxmlformats.org/presentationml/2006/main">
+  <p:cSld>
+    <p:spTree>
+      <p:nvGrpSpPr>
+        <p:cNvPr id="1" name=""/>
+        <p:cNvGrpSpPr/>
+        <p:nvPr/>
+      </p:nvGrpSpPr>
+      <p:grpSpPr>
+        <a:xfrm>
+          <a:off x="0" y="0"/>
+          <a:ext cx="0" cy="0"/>
+          <a:chOff x="0" y="0"/>
+          <a:chExt cx="0" cy="0"/>
+        </a:xfrm>
+      </p:grpSpPr>
+      <p:sp>
+        <p:nvSpPr>
+          <p:cNvPr id="2" name="제목 1">
+            <a:extLst>
+              <a:ext uri="{FF2B5EF4-FFF2-40B4-BE49-F238E27FC236}">
+                <a16:creationId xmlns:a16="http://schemas.microsoft.com/office/drawing/2014/main" id="{11EE7D25-BE8A-CB2E-B483-B3D6658A156E}"/>
+              </a:ext>
+            </a:extLst>
+          </p:cNvPr>
+          <p:cNvSpPr>
+            <a:spLocks noGrp="1"/>
+          </p:cNvSpPr>
+          <p:nvPr>
+            <p:ph type="title"/>
+          </p:nvPr>
+        </p:nvSpPr>
+        <p:spPr/>
+        <p:txBody>
+          <a:bodyPr/>
+          <a:lstStyle/>
+          <a:p>
+            <a:r>
+              <a:rPr lang="en-US" altLang="ko-KR"/>
+              <a:t>Prist</a:t>
+            </a:r>
+            <a:endParaRPr lang="ko-KR" altLang="en-US"/>
+          </a:p>
+        </p:txBody>
+      </p:sp>
+      <p:pic>
+        <p:nvPicPr>
+          <p:cNvPr id="5" name="내용 개체 틀 4" descr="만화 영화, 장난감, 애니메이션, 픽셀이(가) 표시된 사진&#10;&#10;자동 생성된 설명">
+            <a:extLst>
+              <a:ext uri="{FF2B5EF4-FFF2-40B4-BE49-F238E27FC236}">
+                <a16:creationId xmlns:a16="http://schemas.microsoft.com/office/drawing/2014/main" id="{4A91AFD2-5013-F482-15F5-1B19AEC28F51}"/>
+              </a:ext>
+            </a:extLst>
+          </p:cNvPr>
+          <p:cNvPicPr>
+            <a:picLocks noGrp="1" noChangeAspect="1"/>
+          </p:cNvPicPr>
+          <p:nvPr>
+            <p:ph idx="1"/>
+          </p:nvPr>
+        </p:nvPicPr>
+        <p:blipFill>
+          <a:blip r:embed="rId2">
+            <a:extLst>
+              <a:ext uri="{28A0092B-C50C-407E-A947-70E740481C1C}">
+                <a14:useLocalDpi xmlns:a14="http://schemas.microsoft.com/office/drawing/2010/main" val="0"/>
+              </a:ext>
+            </a:extLst>
+          </a:blip>
+          <a:stretch>
+            <a:fillRect/>
+          </a:stretch>
+        </p:blipFill>
+        <p:spPr>
+          <a:xfrm>
+            <a:off x="983366" y="2010478"/>
+            <a:ext cx="3702934" cy="3702934"/>
+          </a:xfrm>
+        </p:spPr>
+      </p:pic>
+      <p:sp>
+        <p:nvSpPr>
+          <p:cNvPr id="6" name="TextBox 5">
+            <a:extLst>
+              <a:ext uri="{FF2B5EF4-FFF2-40B4-BE49-F238E27FC236}">
+                <a16:creationId xmlns:a16="http://schemas.microsoft.com/office/drawing/2014/main" id="{0A7102E8-9186-C89B-DF7A-75EF42621E1A}"/>
+              </a:ext>
+            </a:extLst>
+          </p:cNvPr>
+          <p:cNvSpPr txBox="1"/>
+          <p:nvPr/>
+        </p:nvSpPr>
+        <p:spPr>
+          <a:xfrm>
+            <a:off x="4421981" y="3677279"/>
+            <a:ext cx="7358062" cy="646331"/>
+          </a:xfrm>
+          <a:prstGeom prst="rect">
+            <a:avLst/>
+          </a:prstGeom>
+          <a:noFill/>
+        </p:spPr>
+        <p:txBody>
+          <a:bodyPr wrap="square" rtlCol="0">
+            <a:spAutoFit/>
+          </a:bodyPr>
+          <a:lstStyle/>
+          <a:p>
+            <a:r>
+              <a:rPr lang="ko-KR" altLang="en-US" dirty="0"/>
+              <a:t>성장 공격력 낮음</a:t>
+            </a:r>
+            <a:r>
+              <a:rPr lang="en-US" altLang="ko-KR" dirty="0"/>
+              <a:t>, </a:t>
+            </a:r>
+            <a:r>
+              <a:rPr lang="ko-KR" altLang="en-US" dirty="0"/>
+              <a:t>성장 방어력 보통</a:t>
+            </a:r>
+            <a:r>
+              <a:rPr lang="en-US" altLang="ko-KR" dirty="0"/>
+              <a:t>, </a:t>
+            </a:r>
+            <a:r>
+              <a:rPr lang="ko-KR" altLang="en-US" dirty="0"/>
+              <a:t>공격범위 </a:t>
+            </a:r>
+            <a:r>
+              <a:rPr lang="en-US" altLang="ko-KR" dirty="0"/>
+              <a:t>: </a:t>
+            </a:r>
+            <a:r>
+              <a:rPr lang="ko-KR" altLang="en-US" dirty="0"/>
+              <a:t>캐릭터 주위 </a:t>
+            </a:r>
+            <a:r>
+              <a:rPr lang="en-US" altLang="ko-KR" dirty="0"/>
+              <a:t>5</a:t>
+            </a:r>
+            <a:r>
+              <a:rPr lang="ko-KR" altLang="en-US" dirty="0"/>
+              <a:t>칸</a:t>
+            </a:r>
+            <a:endParaRPr lang="en-US" altLang="ko-KR" dirty="0"/>
+          </a:p>
+          <a:p>
+            <a:r>
+              <a:rPr lang="ko-KR" altLang="en-US" dirty="0"/>
+              <a:t>아군이 </a:t>
+            </a:r>
+            <a:r>
+              <a:rPr lang="ko-KR" altLang="en-US" dirty="0" err="1"/>
+              <a:t>맞을경우</a:t>
+            </a:r>
+            <a:r>
+              <a:rPr lang="ko-KR" altLang="en-US" dirty="0"/>
+              <a:t> 힐</a:t>
+            </a:r>
+            <a:r>
+              <a:rPr lang="en-US" altLang="ko-KR" dirty="0"/>
+              <a:t>.</a:t>
+            </a:r>
+            <a:endParaRPr lang="ko-KR" altLang="en-US" dirty="0"/>
+          </a:p>
+        </p:txBody>
+      </p:sp>
+    </p:spTree>
+    <p:extLst>
+      <p:ext uri="{BB962C8B-B14F-4D97-AF65-F5344CB8AC3E}">
+        <p14:creationId xmlns:p14="http://schemas.microsoft.com/office/powerpoint/2010/main" val="4120532053"/>
       </p:ext>
     </p:extLst>
   </p:cSld>
